--- a/Koodauksesta.pptx
+++ b/Koodauksesta.pptx
@@ -16,6 +16,7 @@
     <p:sldId id="266" r:id="rId13"/>
     <p:sldId id="267" r:id="rId14"/>
     <p:sldId id="268" r:id="rId15"/>
+    <p:sldId id="269" r:id="rId16"/>
   </p:sldIdLst>
   <p:sldSz cx="12192000" cy="6858000"/>
   <p:notesSz cx="6858000" cy="9144000"/>
@@ -360,7 +361,7 @@
           <a:p>
             <a:fld id="{ED291B17-9318-49DB-B28B-6E5994AE9581}" type="datetime1">
               <a:rPr lang="en-US" smtClean="0"/>
-              <a:t>11/7/2021</a:t>
+              <a:t>11/14/2021</a:t>
             </a:fld>
             <a:endParaRPr lang="en-US" dirty="0"/>
           </a:p>
@@ -563,7 +564,7 @@
           <a:p>
             <a:fld id="{2CED4963-E985-44C4-B8C4-FDD613B7C2F8}" type="datetime1">
               <a:rPr lang="en-US" smtClean="0"/>
-              <a:t>11/7/2021</a:t>
+              <a:t>11/14/2021</a:t>
             </a:fld>
             <a:endParaRPr lang="en-US" dirty="0"/>
           </a:p>
@@ -925,7 +926,7 @@
           <a:p>
             <a:fld id="{ED291B17-9318-49DB-B28B-6E5994AE9581}" type="datetime1">
               <a:rPr lang="en-US" smtClean="0"/>
-              <a:t>11/7/2021</a:t>
+              <a:t>11/14/2021</a:t>
             </a:fld>
             <a:endParaRPr lang="en-US" dirty="0"/>
           </a:p>
@@ -1123,7 +1124,7 @@
           <a:p>
             <a:fld id="{78DD82B9-B8EE-4375-B6FF-88FA6ABB15D9}" type="datetime1">
               <a:rPr lang="en-US" smtClean="0"/>
-              <a:t>11/7/2021</a:t>
+              <a:t>11/14/2021</a:t>
             </a:fld>
             <a:endParaRPr lang="en-US" dirty="0"/>
           </a:p>
@@ -1435,7 +1436,7 @@
           <a:p>
             <a:fld id="{B2497495-0637-405E-AE64-5CC7506D51F5}" type="datetime1">
               <a:rPr lang="en-US" smtClean="0"/>
-              <a:t>11/7/2021</a:t>
+              <a:t>11/14/2021</a:t>
             </a:fld>
             <a:endParaRPr lang="en-US" dirty="0"/>
           </a:p>
@@ -1688,7 +1689,7 @@
           <a:p>
             <a:fld id="{7BFFD690-9426-415D-8B65-26881E07B2D4}" type="datetime1">
               <a:rPr lang="en-US" smtClean="0"/>
-              <a:t>11/7/2021</a:t>
+              <a:t>11/14/2021</a:t>
             </a:fld>
             <a:endParaRPr lang="en-US" dirty="0"/>
           </a:p>
@@ -2110,7 +2111,7 @@
           <a:p>
             <a:fld id="{04C4989A-474C-40DE-95B9-011C28B71673}" type="datetime1">
               <a:rPr lang="en-US" smtClean="0"/>
-              <a:t>11/7/2021</a:t>
+              <a:t>11/14/2021</a:t>
             </a:fld>
             <a:endParaRPr lang="en-US" dirty="0"/>
           </a:p>
@@ -2233,7 +2234,7 @@
           <a:p>
             <a:fld id="{5DB4ED54-5B5E-4A04-93D3-5772E3CE3818}" type="datetime1">
               <a:rPr lang="en-US" smtClean="0"/>
-              <a:t>11/7/2021</a:t>
+              <a:t>11/14/2021</a:t>
             </a:fld>
             <a:endParaRPr lang="en-US" dirty="0"/>
           </a:p>
@@ -2328,7 +2329,7 @@
           <a:p>
             <a:fld id="{4EDE50D6-574B-40AF-946F-D52A04ADE379}" type="datetime1">
               <a:rPr lang="en-US" smtClean="0"/>
-              <a:t>11/7/2021</a:t>
+              <a:t>11/14/2021</a:t>
             </a:fld>
             <a:endParaRPr lang="en-US" dirty="0"/>
           </a:p>
@@ -2705,7 +2706,7 @@
           <a:p>
             <a:fld id="{D82884F1-FFEA-405F-9602-3DCA865EDA4E}" type="datetime1">
               <a:rPr lang="en-US" smtClean="0"/>
-              <a:t>11/7/2021</a:t>
+              <a:t>11/14/2021</a:t>
             </a:fld>
             <a:endParaRPr lang="en-US" dirty="0"/>
           </a:p>
@@ -2998,7 +2999,7 @@
           <a:p>
             <a:fld id="{7E18DB4A-8810-4A10-AD5C-D5E2C667F5B3}" type="datetime1">
               <a:rPr lang="en-US" smtClean="0"/>
-              <a:t>11/7/2021</a:t>
+              <a:t>11/14/2021</a:t>
             </a:fld>
             <a:endParaRPr lang="en-US" dirty="0"/>
           </a:p>
@@ -3213,7 +3214,7 @@
           <a:p>
             <a:fld id="{ED291B17-9318-49DB-B28B-6E5994AE9581}" type="datetime1">
               <a:rPr lang="en-US" smtClean="0"/>
-              <a:t>11/7/2021</a:t>
+              <a:t>11/14/2021</a:t>
             </a:fld>
             <a:endParaRPr lang="en-US" dirty="0"/>
           </a:p>
@@ -4865,6 +4866,273 @@
 </p:sld>
 </file>
 
+<file path=ppt/slides/slide12.xml><?xml version="1.0" encoding="utf-8"?>
+<p:sld xmlns:a="http://schemas.openxmlformats.org/drawingml/2006/main" xmlns:r="http://schemas.openxmlformats.org/officeDocument/2006/relationships" xmlns:p="http://schemas.openxmlformats.org/presentationml/2006/main">
+  <p:cSld>
+    <p:spTree>
+      <p:nvGrpSpPr>
+        <p:cNvPr id="1" name=""/>
+        <p:cNvGrpSpPr/>
+        <p:nvPr/>
+      </p:nvGrpSpPr>
+      <p:grpSpPr>
+        <a:xfrm>
+          <a:off x="0" y="0"/>
+          <a:ext cx="0" cy="0"/>
+          <a:chOff x="0" y="0"/>
+          <a:chExt cx="0" cy="0"/>
+        </a:xfrm>
+      </p:grpSpPr>
+      <p:sp>
+        <p:nvSpPr>
+          <p:cNvPr id="2" name="Title 1">
+            <a:extLst>
+              <a:ext uri="{FF2B5EF4-FFF2-40B4-BE49-F238E27FC236}">
+                <a16:creationId xmlns:a16="http://schemas.microsoft.com/office/drawing/2014/main" id="{0F4E9AD1-33A3-4E76-A74F-8C6BD102773F}"/>
+              </a:ext>
+            </a:extLst>
+          </p:cNvPr>
+          <p:cNvSpPr>
+            <a:spLocks noGrp="1"/>
+          </p:cNvSpPr>
+          <p:nvPr>
+            <p:ph type="title"/>
+          </p:nvPr>
+        </p:nvSpPr>
+        <p:spPr/>
+        <p:txBody>
+          <a:bodyPr/>
+          <a:lstStyle/>
+          <a:p>
+            <a:r>
+              <a:rPr lang="fi-FI" dirty="0"/>
+              <a:t>Kertaus kerrasta 5 &amp; UUSIA ASIOITA KERRALLE 6</a:t>
+            </a:r>
+            <a:endParaRPr lang="en-FI" dirty="0"/>
+          </a:p>
+        </p:txBody>
+      </p:sp>
+      <p:sp>
+        <p:nvSpPr>
+          <p:cNvPr id="3" name="Content Placeholder 2">
+            <a:extLst>
+              <a:ext uri="{FF2B5EF4-FFF2-40B4-BE49-F238E27FC236}">
+                <a16:creationId xmlns:a16="http://schemas.microsoft.com/office/drawing/2014/main" id="{A917B45E-C8F8-44B3-9A38-12D08AC4A13E}"/>
+              </a:ext>
+            </a:extLst>
+          </p:cNvPr>
+          <p:cNvSpPr>
+            <a:spLocks noGrp="1"/>
+          </p:cNvSpPr>
+          <p:nvPr>
+            <p:ph idx="1"/>
+          </p:nvPr>
+        </p:nvSpPr>
+        <p:spPr/>
+        <p:txBody>
+          <a:bodyPr/>
+          <a:lstStyle/>
+          <a:p>
+            <a:pPr marL="0" indent="0">
+              <a:buNone/>
+            </a:pPr>
+            <a:r>
+              <a:rPr lang="fi-FI" dirty="0">
+                <a:solidFill>
+                  <a:schemeClr val="tx1"/>
+                </a:solidFill>
+                <a:latin typeface="Consolas" panose="020B0609020204030204" pitchFamily="49" charset="0"/>
+              </a:rPr>
+              <a:t>Kertaus: Visual Studio </a:t>
+            </a:r>
+            <a:r>
+              <a:rPr lang="fi-FI" dirty="0" err="1">
+                <a:solidFill>
+                  <a:schemeClr val="tx1"/>
+                </a:solidFill>
+                <a:latin typeface="Consolas" panose="020B0609020204030204" pitchFamily="49" charset="0"/>
+              </a:rPr>
+              <a:t>Code</a:t>
+            </a:r>
+            <a:r>
+              <a:rPr lang="fi-FI" dirty="0">
+                <a:solidFill>
+                  <a:schemeClr val="tx1"/>
+                </a:solidFill>
+                <a:latin typeface="Consolas" panose="020B0609020204030204" pitchFamily="49" charset="0"/>
+              </a:rPr>
+              <a:t>, JSON, koodin ajaminen ja </a:t>
+            </a:r>
+            <a:r>
+              <a:rPr lang="fi-FI" dirty="0" err="1">
+                <a:solidFill>
+                  <a:schemeClr val="tx1"/>
+                </a:solidFill>
+                <a:latin typeface="Consolas" panose="020B0609020204030204" pitchFamily="49" charset="0"/>
+              </a:rPr>
+              <a:t>debuggaus</a:t>
+            </a:r>
+            <a:r>
+              <a:rPr lang="fi-FI" dirty="0">
+                <a:solidFill>
+                  <a:schemeClr val="tx1"/>
+                </a:solidFill>
+                <a:latin typeface="Consolas" panose="020B0609020204030204" pitchFamily="49" charset="0"/>
+              </a:rPr>
+              <a:t>, listat</a:t>
+            </a:r>
+          </a:p>
+          <a:p>
+            <a:pPr marL="0" indent="0">
+              <a:buNone/>
+            </a:pPr>
+            <a:r>
+              <a:rPr lang="fi-FI" dirty="0">
+                <a:solidFill>
+                  <a:schemeClr val="tx1"/>
+                </a:solidFill>
+                <a:latin typeface="Consolas" panose="020B0609020204030204" pitchFamily="49" charset="0"/>
+              </a:rPr>
+              <a:t>Uusia asioita: For-silmukka, tiedoston lukeminen, odottaminen (</a:t>
+            </a:r>
+            <a:r>
+              <a:rPr lang="fi-FI" dirty="0" err="1">
+                <a:solidFill>
+                  <a:schemeClr val="tx1"/>
+                </a:solidFill>
+                <a:latin typeface="Consolas" panose="020B0609020204030204" pitchFamily="49" charset="0"/>
+              </a:rPr>
+              <a:t>sleep</a:t>
+            </a:r>
+            <a:r>
+              <a:rPr lang="fi-FI" dirty="0">
+                <a:solidFill>
+                  <a:schemeClr val="tx1"/>
+                </a:solidFill>
+                <a:latin typeface="Consolas" panose="020B0609020204030204" pitchFamily="49" charset="0"/>
+              </a:rPr>
+              <a:t>)</a:t>
+            </a:r>
+          </a:p>
+          <a:p>
+            <a:pPr marL="0" indent="0">
+              <a:buNone/>
+            </a:pPr>
+            <a:endParaRPr lang="fi-FI" dirty="0">
+              <a:solidFill>
+                <a:schemeClr val="tx1"/>
+              </a:solidFill>
+              <a:latin typeface="Consolas" panose="020B0609020204030204" pitchFamily="49" charset="0"/>
+            </a:endParaRPr>
+          </a:p>
+          <a:p>
+            <a:r>
+              <a:rPr lang="fi-FI" b="0" dirty="0">
+                <a:solidFill>
+                  <a:schemeClr val="tx1"/>
+                </a:solidFill>
+                <a:effectLst/>
+                <a:latin typeface="Consolas" panose="020B0609020204030204" pitchFamily="49" charset="0"/>
+              </a:rPr>
+              <a:t>Tee tehtäviä itsenäisesti tai vieruskaverin kanssa yhdessä. Jos jäät jumiin, </a:t>
+            </a:r>
+            <a:r>
+              <a:rPr lang="fi-FI" dirty="0">
+                <a:solidFill>
+                  <a:schemeClr val="tx1"/>
+                </a:solidFill>
+                <a:latin typeface="Consolas" panose="020B0609020204030204" pitchFamily="49" charset="0"/>
+              </a:rPr>
+              <a:t>kysy apua kave</a:t>
+            </a:r>
+            <a:r>
+              <a:rPr lang="fi-FI" b="0" dirty="0">
+                <a:solidFill>
+                  <a:schemeClr val="tx1"/>
+                </a:solidFill>
+                <a:effectLst/>
+                <a:latin typeface="Consolas" panose="020B0609020204030204" pitchFamily="49" charset="0"/>
+              </a:rPr>
+              <a:t>reilta tai ohjaajilta. Kun saat tehtävän tehtyä, näytä ratkaisusi opettajalle tai jollekin, joka on jo saanut tehtävän valmiiksi (katso taululta). Merkkaa nimesi taululle tehtävän kohdalle. </a:t>
+            </a:r>
+          </a:p>
+          <a:p>
+            <a:r>
+              <a:rPr lang="fi-FI" b="0" dirty="0">
+                <a:solidFill>
+                  <a:schemeClr val="tx1"/>
+                </a:solidFill>
+                <a:effectLst/>
+                <a:latin typeface="Consolas" panose="020B0609020204030204" pitchFamily="49" charset="0"/>
+              </a:rPr>
+              <a:t>Ohjeet ja </a:t>
+            </a:r>
+            <a:r>
+              <a:rPr lang="fi-FI" dirty="0">
+                <a:solidFill>
+                  <a:schemeClr val="tx1"/>
+                </a:solidFill>
+                <a:latin typeface="Consolas" panose="020B0609020204030204" pitchFamily="49" charset="0"/>
+              </a:rPr>
+              <a:t>tehtävät</a:t>
+            </a:r>
+            <a:r>
+              <a:rPr lang="fi-FI" b="0" dirty="0">
+                <a:solidFill>
+                  <a:schemeClr val="tx1"/>
+                </a:solidFill>
+                <a:effectLst/>
+                <a:latin typeface="Consolas" panose="020B0609020204030204" pitchFamily="49" charset="0"/>
+              </a:rPr>
+              <a:t>: github.com/</a:t>
+            </a:r>
+            <a:r>
+              <a:rPr lang="fi-FI" b="0" dirty="0" err="1">
+                <a:solidFill>
+                  <a:schemeClr val="tx1"/>
+                </a:solidFill>
+                <a:effectLst/>
+                <a:latin typeface="Consolas" panose="020B0609020204030204" pitchFamily="49" charset="0"/>
+              </a:rPr>
+              <a:t>mikkokotola</a:t>
+            </a:r>
+            <a:r>
+              <a:rPr lang="fi-FI" b="0" dirty="0">
+                <a:solidFill>
+                  <a:schemeClr val="tx1"/>
+                </a:solidFill>
+                <a:effectLst/>
+                <a:latin typeface="Consolas" panose="020B0609020204030204" pitchFamily="49" charset="0"/>
+              </a:rPr>
+              <a:t>/pythonkoodaus</a:t>
+            </a:r>
+          </a:p>
+          <a:p>
+            <a:pPr marL="0" indent="0">
+              <a:buNone/>
+            </a:pPr>
+            <a:endParaRPr lang="fi-FI" dirty="0">
+              <a:solidFill>
+                <a:schemeClr val="tx1"/>
+              </a:solidFill>
+              <a:latin typeface="Consolas" panose="020B0609020204030204" pitchFamily="49" charset="0"/>
+            </a:endParaRPr>
+          </a:p>
+        </p:txBody>
+      </p:sp>
+    </p:spTree>
+    <p:extLst>
+      <p:ext uri="{BB962C8B-B14F-4D97-AF65-F5344CB8AC3E}">
+        <p14:creationId xmlns:p14="http://schemas.microsoft.com/office/powerpoint/2010/main" val="2557526288"/>
+      </p:ext>
+    </p:extLst>
+  </p:cSld>
+  <p:clrMapOvr>
+    <a:masterClrMapping/>
+  </p:clrMapOvr>
+</p:sld>
+</file>
+
 <file path=ppt/slides/slide2.xml><?xml version="1.0" encoding="utf-8"?>
 <p:sld xmlns:a="http://schemas.openxmlformats.org/drawingml/2006/main" xmlns:r="http://schemas.openxmlformats.org/officeDocument/2006/relationships" xmlns:p="http://schemas.openxmlformats.org/presentationml/2006/main">
   <p:cSld>
@@ -7286,6 +7554,24 @@
 </file>
 
 <file path=customXml/item1.xml><?xml version="1.0" encoding="utf-8"?>
+<p:properties xmlns:p="http://schemas.microsoft.com/office/2006/metadata/properties" xmlns:xsi="http://www.w3.org/2001/XMLSchema-instance" xmlns:pc="http://schemas.microsoft.com/office/infopath/2007/PartnerControls">
+  <documentManagement>
+    <Status xmlns="71af3243-3dd4-4a8d-8c0d-dd76da1f02a5">Not started</Status>
+    <MediaServiceKeyPoints xmlns="71af3243-3dd4-4a8d-8c0d-dd76da1f02a5" xsi:nil="true"/>
+  </documentManagement>
+</p:properties>
+</file>
+
+<file path=customXml/item2.xml><?xml version="1.0" encoding="utf-8"?>
+<?mso-contentType ?>
+<FormTemplates xmlns="http://schemas.microsoft.com/sharepoint/v3/contenttype/forms">
+  <Display>DocumentLibraryForm</Display>
+  <Edit>DocumentLibraryForm</Edit>
+  <New>DocumentLibraryForm</New>
+</FormTemplates>
+</file>
+
+<file path=customXml/item3.xml><?xml version="1.0" encoding="utf-8"?>
 <ct:contentTypeSchema xmlns:ct="http://schemas.microsoft.com/office/2006/metadata/contentType" xmlns:ma="http://schemas.microsoft.com/office/2006/metadata/properties/metaAttributes" ct:_="" ma:_="" ma:contentTypeName="Document" ma:contentTypeID="0x01010079F111ED35F8CC479449609E8A0923A6" ma:contentTypeVersion="12" ma:contentTypeDescription="Create a new document." ma:contentTypeScope="" ma:versionID="a410dd7f93c95333ffa1b60ed6adedd1">
   <xsd:schema xmlns:xsd="http://www.w3.org/2001/XMLSchema" xmlns:xs="http://www.w3.org/2001/XMLSchema" xmlns:p="http://schemas.microsoft.com/office/2006/metadata/properties" xmlns:ns2="71af3243-3dd4-4a8d-8c0d-dd76da1f02a5" xmlns:ns3="16c05727-aa75-4e4a-9b5f-8a80a1165891" targetNamespace="http://schemas.microsoft.com/office/2006/metadata/properties" ma:root="true" ma:fieldsID="a936d9baba76aa3866493feff160faab" ns2:_="" ns3:_="">
     <xsd:import namespace="71af3243-3dd4-4a8d-8c0d-dd76da1f02a5"/>
@@ -7506,25 +7792,25 @@
 </ct:contentTypeSchema>
 </file>
 
-<file path=customXml/item2.xml><?xml version="1.0" encoding="utf-8"?>
-<?mso-contentType ?>
-<FormTemplates xmlns="http://schemas.microsoft.com/sharepoint/v3/contenttype/forms">
-  <Display>DocumentLibraryForm</Display>
-  <Edit>DocumentLibraryForm</Edit>
-  <New>DocumentLibraryForm</New>
-</FormTemplates>
+<file path=customXml/itemProps1.xml><?xml version="1.0" encoding="utf-8"?>
+<ds:datastoreItem xmlns:ds="http://schemas.openxmlformats.org/officeDocument/2006/customXml" ds:itemID="{8D289AE2-D2AE-49D1-AFAC-3A79F6794255}">
+  <ds:schemaRefs>
+    <ds:schemaRef ds:uri="http://schemas.microsoft.com/office/2006/metadata/properties"/>
+    <ds:schemaRef ds:uri="http://schemas.microsoft.com/office/infopath/2007/PartnerControls"/>
+    <ds:schemaRef ds:uri="71af3243-3dd4-4a8d-8c0d-dd76da1f02a5"/>
+  </ds:schemaRefs>
+</ds:datastoreItem>
 </file>
 
-<file path=customXml/item3.xml><?xml version="1.0" encoding="utf-8"?>
-<p:properties xmlns:p="http://schemas.microsoft.com/office/2006/metadata/properties" xmlns:xsi="http://www.w3.org/2001/XMLSchema-instance" xmlns:pc="http://schemas.microsoft.com/office/infopath/2007/PartnerControls">
-  <documentManagement>
-    <Status xmlns="71af3243-3dd4-4a8d-8c0d-dd76da1f02a5">Not started</Status>
-    <MediaServiceKeyPoints xmlns="71af3243-3dd4-4a8d-8c0d-dd76da1f02a5" xsi:nil="true"/>
-  </documentManagement>
-</p:properties>
+<file path=customXml/itemProps2.xml><?xml version="1.0" encoding="utf-8"?>
+<ds:datastoreItem xmlns:ds="http://schemas.openxmlformats.org/officeDocument/2006/customXml" ds:itemID="{927BD4C1-B6B1-4715-ABF9-E660A51A4EA0}">
+  <ds:schemaRefs>
+    <ds:schemaRef ds:uri="http://schemas.microsoft.com/sharepoint/v3/contenttype/forms"/>
+  </ds:schemaRefs>
+</ds:datastoreItem>
 </file>
 
-<file path=customXml/itemProps1.xml><?xml version="1.0" encoding="utf-8"?>
+<file path=customXml/itemProps3.xml><?xml version="1.0" encoding="utf-8"?>
 <ds:datastoreItem xmlns:ds="http://schemas.openxmlformats.org/officeDocument/2006/customXml" ds:itemID="{41E7CA09-9778-4414-AE97-8064B12DA30E}">
   <ds:schemaRefs>
     <ds:schemaRef ds:uri="http://schemas.microsoft.com/office/2006/metadata/contentType"/>
@@ -7541,22 +7827,4 @@
     <ds:schemaRef ds:uri="http://schemas.microsoft.com/internal/obd"/>
   </ds:schemaRefs>
 </ds:datastoreItem>
-</file>
-
-<file path=customXml/itemProps2.xml><?xml version="1.0" encoding="utf-8"?>
-<ds:datastoreItem xmlns:ds="http://schemas.openxmlformats.org/officeDocument/2006/customXml" ds:itemID="{927BD4C1-B6B1-4715-ABF9-E660A51A4EA0}">
-  <ds:schemaRefs>
-    <ds:schemaRef ds:uri="http://schemas.microsoft.com/sharepoint/v3/contenttype/forms"/>
-  </ds:schemaRefs>
-</ds:datastoreItem>
-</file>
-
-<file path=customXml/itemProps3.xml><?xml version="1.0" encoding="utf-8"?>
-<ds:datastoreItem xmlns:ds="http://schemas.openxmlformats.org/officeDocument/2006/customXml" ds:itemID="{8D289AE2-D2AE-49D1-AFAC-3A79F6794255}">
-  <ds:schemaRefs>
-    <ds:schemaRef ds:uri="http://schemas.microsoft.com/office/2006/metadata/properties"/>
-    <ds:schemaRef ds:uri="http://schemas.microsoft.com/office/infopath/2007/PartnerControls"/>
-    <ds:schemaRef ds:uri="71af3243-3dd4-4a8d-8c0d-dd76da1f02a5"/>
-  </ds:schemaRefs>
-</ds:datastoreItem>
 </file>
--- a/Koodauksesta.pptx
+++ b/Koodauksesta.pptx
@@ -17,6 +17,7 @@
     <p:sldId id="267" r:id="rId14"/>
     <p:sldId id="268" r:id="rId15"/>
     <p:sldId id="269" r:id="rId16"/>
+    <p:sldId id="270" r:id="rId17"/>
   </p:sldIdLst>
   <p:sldSz cx="12192000" cy="6858000"/>
   <p:notesSz cx="6858000" cy="9144000"/>
@@ -361,7 +362,7 @@
           <a:p>
             <a:fld id="{ED291B17-9318-49DB-B28B-6E5994AE9581}" type="datetime1">
               <a:rPr lang="en-US" smtClean="0"/>
-              <a:t>11/14/2021</a:t>
+              <a:t>11/21/2021</a:t>
             </a:fld>
             <a:endParaRPr lang="en-US" dirty="0"/>
           </a:p>
@@ -564,7 +565,7 @@
           <a:p>
             <a:fld id="{2CED4963-E985-44C4-B8C4-FDD613B7C2F8}" type="datetime1">
               <a:rPr lang="en-US" smtClean="0"/>
-              <a:t>11/14/2021</a:t>
+              <a:t>11/21/2021</a:t>
             </a:fld>
             <a:endParaRPr lang="en-US" dirty="0"/>
           </a:p>
@@ -926,7 +927,7 @@
           <a:p>
             <a:fld id="{ED291B17-9318-49DB-B28B-6E5994AE9581}" type="datetime1">
               <a:rPr lang="en-US" smtClean="0"/>
-              <a:t>11/14/2021</a:t>
+              <a:t>11/21/2021</a:t>
             </a:fld>
             <a:endParaRPr lang="en-US" dirty="0"/>
           </a:p>
@@ -1124,7 +1125,7 @@
           <a:p>
             <a:fld id="{78DD82B9-B8EE-4375-B6FF-88FA6ABB15D9}" type="datetime1">
               <a:rPr lang="en-US" smtClean="0"/>
-              <a:t>11/14/2021</a:t>
+              <a:t>11/21/2021</a:t>
             </a:fld>
             <a:endParaRPr lang="en-US" dirty="0"/>
           </a:p>
@@ -1436,7 +1437,7 @@
           <a:p>
             <a:fld id="{B2497495-0637-405E-AE64-5CC7506D51F5}" type="datetime1">
               <a:rPr lang="en-US" smtClean="0"/>
-              <a:t>11/14/2021</a:t>
+              <a:t>11/21/2021</a:t>
             </a:fld>
             <a:endParaRPr lang="en-US" dirty="0"/>
           </a:p>
@@ -1689,7 +1690,7 @@
           <a:p>
             <a:fld id="{7BFFD690-9426-415D-8B65-26881E07B2D4}" type="datetime1">
               <a:rPr lang="en-US" smtClean="0"/>
-              <a:t>11/14/2021</a:t>
+              <a:t>11/21/2021</a:t>
             </a:fld>
             <a:endParaRPr lang="en-US" dirty="0"/>
           </a:p>
@@ -2111,7 +2112,7 @@
           <a:p>
             <a:fld id="{04C4989A-474C-40DE-95B9-011C28B71673}" type="datetime1">
               <a:rPr lang="en-US" smtClean="0"/>
-              <a:t>11/14/2021</a:t>
+              <a:t>11/21/2021</a:t>
             </a:fld>
             <a:endParaRPr lang="en-US" dirty="0"/>
           </a:p>
@@ -2234,7 +2235,7 @@
           <a:p>
             <a:fld id="{5DB4ED54-5B5E-4A04-93D3-5772E3CE3818}" type="datetime1">
               <a:rPr lang="en-US" smtClean="0"/>
-              <a:t>11/14/2021</a:t>
+              <a:t>11/21/2021</a:t>
             </a:fld>
             <a:endParaRPr lang="en-US" dirty="0"/>
           </a:p>
@@ -2329,7 +2330,7 @@
           <a:p>
             <a:fld id="{4EDE50D6-574B-40AF-946F-D52A04ADE379}" type="datetime1">
               <a:rPr lang="en-US" smtClean="0"/>
-              <a:t>11/14/2021</a:t>
+              <a:t>11/21/2021</a:t>
             </a:fld>
             <a:endParaRPr lang="en-US" dirty="0"/>
           </a:p>
@@ -2706,7 +2707,7 @@
           <a:p>
             <a:fld id="{D82884F1-FFEA-405F-9602-3DCA865EDA4E}" type="datetime1">
               <a:rPr lang="en-US" smtClean="0"/>
-              <a:t>11/14/2021</a:t>
+              <a:t>11/21/2021</a:t>
             </a:fld>
             <a:endParaRPr lang="en-US" dirty="0"/>
           </a:p>
@@ -2999,7 +3000,7 @@
           <a:p>
             <a:fld id="{7E18DB4A-8810-4A10-AD5C-D5E2C667F5B3}" type="datetime1">
               <a:rPr lang="en-US" smtClean="0"/>
-              <a:t>11/14/2021</a:t>
+              <a:t>11/21/2021</a:t>
             </a:fld>
             <a:endParaRPr lang="en-US" dirty="0"/>
           </a:p>
@@ -3214,7 +3215,7 @@
           <a:p>
             <a:fld id="{ED291B17-9318-49DB-B28B-6E5994AE9581}" type="datetime1">
               <a:rPr lang="en-US" smtClean="0"/>
-              <a:t>11/14/2021</a:t>
+              <a:t>11/21/2021</a:t>
             </a:fld>
             <a:endParaRPr lang="en-US" dirty="0"/>
           </a:p>
@@ -5133,6 +5134,270 @@
 </p:sld>
 </file>
 
+<file path=ppt/slides/slide13.xml><?xml version="1.0" encoding="utf-8"?>
+<p:sld xmlns:a="http://schemas.openxmlformats.org/drawingml/2006/main" xmlns:r="http://schemas.openxmlformats.org/officeDocument/2006/relationships" xmlns:p="http://schemas.openxmlformats.org/presentationml/2006/main">
+  <p:cSld>
+    <p:spTree>
+      <p:nvGrpSpPr>
+        <p:cNvPr id="1" name=""/>
+        <p:cNvGrpSpPr/>
+        <p:nvPr/>
+      </p:nvGrpSpPr>
+      <p:grpSpPr>
+        <a:xfrm>
+          <a:off x="0" y="0"/>
+          <a:ext cx="0" cy="0"/>
+          <a:chOff x="0" y="0"/>
+          <a:chExt cx="0" cy="0"/>
+        </a:xfrm>
+      </p:grpSpPr>
+      <p:sp>
+        <p:nvSpPr>
+          <p:cNvPr id="2" name="Title 1">
+            <a:extLst>
+              <a:ext uri="{FF2B5EF4-FFF2-40B4-BE49-F238E27FC236}">
+                <a16:creationId xmlns:a16="http://schemas.microsoft.com/office/drawing/2014/main" id="{0F4E9AD1-33A3-4E76-A74F-8C6BD102773F}"/>
+              </a:ext>
+            </a:extLst>
+          </p:cNvPr>
+          <p:cNvSpPr>
+            <a:spLocks noGrp="1"/>
+          </p:cNvSpPr>
+          <p:nvPr>
+            <p:ph type="title"/>
+          </p:nvPr>
+        </p:nvSpPr>
+        <p:spPr/>
+        <p:txBody>
+          <a:bodyPr/>
+          <a:lstStyle/>
+          <a:p>
+            <a:r>
+              <a:rPr lang="fi-FI" dirty="0"/>
+              <a:t>Kertaus kerrasta 6 &amp; </a:t>
+            </a:r>
+            <a:r>
+              <a:rPr lang="fi-FI" dirty="0" err="1"/>
+              <a:t>KERRAn</a:t>
+            </a:r>
+            <a:r>
+              <a:rPr lang="fi-FI" dirty="0"/>
+              <a:t> 7 aiheet</a:t>
+            </a:r>
+            <a:endParaRPr lang="en-FI" dirty="0"/>
+          </a:p>
+        </p:txBody>
+      </p:sp>
+      <p:sp>
+        <p:nvSpPr>
+          <p:cNvPr id="3" name="Content Placeholder 2">
+            <a:extLst>
+              <a:ext uri="{FF2B5EF4-FFF2-40B4-BE49-F238E27FC236}">
+                <a16:creationId xmlns:a16="http://schemas.microsoft.com/office/drawing/2014/main" id="{A917B45E-C8F8-44B3-9A38-12D08AC4A13E}"/>
+              </a:ext>
+            </a:extLst>
+          </p:cNvPr>
+          <p:cNvSpPr>
+            <a:spLocks noGrp="1"/>
+          </p:cNvSpPr>
+          <p:nvPr>
+            <p:ph idx="1"/>
+          </p:nvPr>
+        </p:nvSpPr>
+        <p:spPr/>
+        <p:txBody>
+          <a:bodyPr/>
+          <a:lstStyle/>
+          <a:p>
+            <a:pPr marL="0" indent="0">
+              <a:buNone/>
+            </a:pPr>
+            <a:r>
+              <a:rPr lang="fi-FI" dirty="0">
+                <a:solidFill>
+                  <a:schemeClr val="tx1"/>
+                </a:solidFill>
+                <a:latin typeface="Consolas" panose="020B0609020204030204" pitchFamily="49" charset="0"/>
+              </a:rPr>
+              <a:t>Kertaus: Visual Studio </a:t>
+            </a:r>
+            <a:r>
+              <a:rPr lang="fi-FI" dirty="0" err="1">
+                <a:solidFill>
+                  <a:schemeClr val="tx1"/>
+                </a:solidFill>
+                <a:latin typeface="Consolas" panose="020B0609020204030204" pitchFamily="49" charset="0"/>
+              </a:rPr>
+              <a:t>Code</a:t>
+            </a:r>
+            <a:r>
+              <a:rPr lang="fi-FI" dirty="0">
+                <a:solidFill>
+                  <a:schemeClr val="tx1"/>
+                </a:solidFill>
+                <a:latin typeface="Consolas" panose="020B0609020204030204" pitchFamily="49" charset="0"/>
+              </a:rPr>
+              <a:t>, JSON, koodin ajaminen ja </a:t>
+            </a:r>
+            <a:r>
+              <a:rPr lang="fi-FI" dirty="0" err="1">
+                <a:solidFill>
+                  <a:schemeClr val="tx1"/>
+                </a:solidFill>
+                <a:latin typeface="Consolas" panose="020B0609020204030204" pitchFamily="49" charset="0"/>
+              </a:rPr>
+              <a:t>debuggaus</a:t>
+            </a:r>
+            <a:r>
+              <a:rPr lang="fi-FI" dirty="0">
+                <a:solidFill>
+                  <a:schemeClr val="tx1"/>
+                </a:solidFill>
+                <a:latin typeface="Consolas" panose="020B0609020204030204" pitchFamily="49" charset="0"/>
+              </a:rPr>
+              <a:t>, for-silmukka, tiedoston lukeminen, odottaminen (</a:t>
+            </a:r>
+            <a:r>
+              <a:rPr lang="fi-FI" dirty="0" err="1">
+                <a:solidFill>
+                  <a:schemeClr val="tx1"/>
+                </a:solidFill>
+                <a:latin typeface="Consolas" panose="020B0609020204030204" pitchFamily="49" charset="0"/>
+              </a:rPr>
+              <a:t>sleep</a:t>
+            </a:r>
+            <a:r>
+              <a:rPr lang="fi-FI" dirty="0">
+                <a:solidFill>
+                  <a:schemeClr val="tx1"/>
+                </a:solidFill>
+                <a:latin typeface="Consolas" panose="020B0609020204030204" pitchFamily="49" charset="0"/>
+              </a:rPr>
+              <a:t>)</a:t>
+            </a:r>
+          </a:p>
+          <a:p>
+            <a:pPr marL="0" indent="0">
+              <a:buNone/>
+            </a:pPr>
+            <a:r>
+              <a:rPr lang="fi-FI" dirty="0">
+                <a:solidFill>
+                  <a:schemeClr val="tx1"/>
+                </a:solidFill>
+                <a:latin typeface="Consolas" panose="020B0609020204030204" pitchFamily="49" charset="0"/>
+              </a:rPr>
+              <a:t>Kerran 7 aiheet: yhdistetään tähän mennessä opittua. Tehdään tehtävät 4 ja 5. Jos saat valmiiksi, voi myös tutkia/kokeilla itsenäisesti lisätehtäviä LISÄ1 ja LISÄ2.</a:t>
+            </a:r>
+          </a:p>
+          <a:p>
+            <a:r>
+              <a:rPr lang="fi-FI" b="0" dirty="0">
+                <a:solidFill>
+                  <a:schemeClr val="tx1"/>
+                </a:solidFill>
+                <a:effectLst/>
+                <a:latin typeface="Consolas" panose="020B0609020204030204" pitchFamily="49" charset="0"/>
+              </a:rPr>
+              <a:t>Tee tehtäviä itsenäisesti tai vieruskaverin kanssa yhdessä. Jos jäät jumiin, </a:t>
+            </a:r>
+            <a:r>
+              <a:rPr lang="fi-FI" dirty="0">
+                <a:solidFill>
+                  <a:schemeClr val="tx1"/>
+                </a:solidFill>
+                <a:latin typeface="Consolas" panose="020B0609020204030204" pitchFamily="49" charset="0"/>
+              </a:rPr>
+              <a:t>kysy apua kave</a:t>
+            </a:r>
+            <a:r>
+              <a:rPr lang="fi-FI" b="0" dirty="0">
+                <a:solidFill>
+                  <a:schemeClr val="tx1"/>
+                </a:solidFill>
+                <a:effectLst/>
+                <a:latin typeface="Consolas" panose="020B0609020204030204" pitchFamily="49" charset="0"/>
+              </a:rPr>
+              <a:t>reilta tai ohjaajilta. Kun saat tehtävän tehtyä, näytä ratkaisusi opettajalle tai jollekin, joka on jo saanut tehtävän valmiiksi (katso taululta). Merkkaa nimesi taululle tehtävän kohdalle. </a:t>
+            </a:r>
+          </a:p>
+          <a:p>
+            <a:r>
+              <a:rPr lang="fi-FI" b="0" dirty="0">
+                <a:solidFill>
+                  <a:schemeClr val="tx1"/>
+                </a:solidFill>
+                <a:effectLst/>
+                <a:latin typeface="Consolas" panose="020B0609020204030204" pitchFamily="49" charset="0"/>
+              </a:rPr>
+              <a:t>Ohjeet ja </a:t>
+            </a:r>
+            <a:r>
+              <a:rPr lang="fi-FI" dirty="0">
+                <a:solidFill>
+                  <a:schemeClr val="tx1"/>
+                </a:solidFill>
+                <a:latin typeface="Consolas" panose="020B0609020204030204" pitchFamily="49" charset="0"/>
+              </a:rPr>
+              <a:t>tehtävät</a:t>
+            </a:r>
+            <a:r>
+              <a:rPr lang="fi-FI" b="0" dirty="0">
+                <a:solidFill>
+                  <a:schemeClr val="tx1"/>
+                </a:solidFill>
+                <a:effectLst/>
+                <a:latin typeface="Consolas" panose="020B0609020204030204" pitchFamily="49" charset="0"/>
+              </a:rPr>
+              <a:t>: github.com/</a:t>
+            </a:r>
+            <a:r>
+              <a:rPr lang="fi-FI" b="0" dirty="0" err="1">
+                <a:solidFill>
+                  <a:schemeClr val="tx1"/>
+                </a:solidFill>
+                <a:effectLst/>
+                <a:latin typeface="Consolas" panose="020B0609020204030204" pitchFamily="49" charset="0"/>
+              </a:rPr>
+              <a:t>mikkokotola</a:t>
+            </a:r>
+            <a:r>
+              <a:rPr lang="fi-FI" b="0" dirty="0">
+                <a:solidFill>
+                  <a:schemeClr val="tx1"/>
+                </a:solidFill>
+                <a:effectLst/>
+                <a:latin typeface="Consolas" panose="020B0609020204030204" pitchFamily="49" charset="0"/>
+              </a:rPr>
+              <a:t>/pythonkoodaus</a:t>
+            </a:r>
+          </a:p>
+          <a:p>
+            <a:pPr marL="0" indent="0">
+              <a:buNone/>
+            </a:pPr>
+            <a:endParaRPr lang="fi-FI" dirty="0">
+              <a:solidFill>
+                <a:schemeClr val="tx1"/>
+              </a:solidFill>
+              <a:latin typeface="Consolas" panose="020B0609020204030204" pitchFamily="49" charset="0"/>
+            </a:endParaRPr>
+          </a:p>
+        </p:txBody>
+      </p:sp>
+    </p:spTree>
+    <p:extLst>
+      <p:ext uri="{BB962C8B-B14F-4D97-AF65-F5344CB8AC3E}">
+        <p14:creationId xmlns:p14="http://schemas.microsoft.com/office/powerpoint/2010/main" val="3360227077"/>
+      </p:ext>
+    </p:extLst>
+  </p:cSld>
+  <p:clrMapOvr>
+    <a:masterClrMapping/>
+  </p:clrMapOvr>
+</p:sld>
+</file>
+
 <file path=ppt/slides/slide2.xml><?xml version="1.0" encoding="utf-8"?>
 <p:sld xmlns:a="http://schemas.openxmlformats.org/drawingml/2006/main" xmlns:r="http://schemas.openxmlformats.org/officeDocument/2006/relationships" xmlns:p="http://schemas.openxmlformats.org/presentationml/2006/main">
   <p:cSld>
@@ -7563,15 +7828,6 @@
 </file>
 
 <file path=customXml/item2.xml><?xml version="1.0" encoding="utf-8"?>
-<?mso-contentType ?>
-<FormTemplates xmlns="http://schemas.microsoft.com/sharepoint/v3/contenttype/forms">
-  <Display>DocumentLibraryForm</Display>
-  <Edit>DocumentLibraryForm</Edit>
-  <New>DocumentLibraryForm</New>
-</FormTemplates>
-</file>
-
-<file path=customXml/item3.xml><?xml version="1.0" encoding="utf-8"?>
 <ct:contentTypeSchema xmlns:ct="http://schemas.microsoft.com/office/2006/metadata/contentType" xmlns:ma="http://schemas.microsoft.com/office/2006/metadata/properties/metaAttributes" ct:_="" ma:_="" ma:contentTypeName="Document" ma:contentTypeID="0x01010079F111ED35F8CC479449609E8A0923A6" ma:contentTypeVersion="12" ma:contentTypeDescription="Create a new document." ma:contentTypeScope="" ma:versionID="a410dd7f93c95333ffa1b60ed6adedd1">
   <xsd:schema xmlns:xsd="http://www.w3.org/2001/XMLSchema" xmlns:xs="http://www.w3.org/2001/XMLSchema" xmlns:p="http://schemas.microsoft.com/office/2006/metadata/properties" xmlns:ns2="71af3243-3dd4-4a8d-8c0d-dd76da1f02a5" xmlns:ns3="16c05727-aa75-4e4a-9b5f-8a80a1165891" targetNamespace="http://schemas.microsoft.com/office/2006/metadata/properties" ma:root="true" ma:fieldsID="a936d9baba76aa3866493feff160faab" ns2:_="" ns3:_="">
     <xsd:import namespace="71af3243-3dd4-4a8d-8c0d-dd76da1f02a5"/>
@@ -7792,6 +8048,15 @@
 </ct:contentTypeSchema>
 </file>
 
+<file path=customXml/item3.xml><?xml version="1.0" encoding="utf-8"?>
+<?mso-contentType ?>
+<FormTemplates xmlns="http://schemas.microsoft.com/sharepoint/v3/contenttype/forms">
+  <Display>DocumentLibraryForm</Display>
+  <Edit>DocumentLibraryForm</Edit>
+  <New>DocumentLibraryForm</New>
+</FormTemplates>
+</file>
+
 <file path=customXml/itemProps1.xml><?xml version="1.0" encoding="utf-8"?>
 <ds:datastoreItem xmlns:ds="http://schemas.openxmlformats.org/officeDocument/2006/customXml" ds:itemID="{8D289AE2-D2AE-49D1-AFAC-3A79F6794255}">
   <ds:schemaRefs>
@@ -7803,14 +8068,6 @@
 </file>
 
 <file path=customXml/itemProps2.xml><?xml version="1.0" encoding="utf-8"?>
-<ds:datastoreItem xmlns:ds="http://schemas.openxmlformats.org/officeDocument/2006/customXml" ds:itemID="{927BD4C1-B6B1-4715-ABF9-E660A51A4EA0}">
-  <ds:schemaRefs>
-    <ds:schemaRef ds:uri="http://schemas.microsoft.com/sharepoint/v3/contenttype/forms"/>
-  </ds:schemaRefs>
-</ds:datastoreItem>
-</file>
-
-<file path=customXml/itemProps3.xml><?xml version="1.0" encoding="utf-8"?>
 <ds:datastoreItem xmlns:ds="http://schemas.openxmlformats.org/officeDocument/2006/customXml" ds:itemID="{41E7CA09-9778-4414-AE97-8064B12DA30E}">
   <ds:schemaRefs>
     <ds:schemaRef ds:uri="http://schemas.microsoft.com/office/2006/metadata/contentType"/>
@@ -7827,4 +8084,12 @@
     <ds:schemaRef ds:uri="http://schemas.microsoft.com/internal/obd"/>
   </ds:schemaRefs>
 </ds:datastoreItem>
+</file>
+
+<file path=customXml/itemProps3.xml><?xml version="1.0" encoding="utf-8"?>
+<ds:datastoreItem xmlns:ds="http://schemas.openxmlformats.org/officeDocument/2006/customXml" ds:itemID="{927BD4C1-B6B1-4715-ABF9-E660A51A4EA0}">
+  <ds:schemaRefs>
+    <ds:schemaRef ds:uri="http://schemas.microsoft.com/sharepoint/v3/contenttype/forms"/>
+  </ds:schemaRefs>
+</ds:datastoreItem>
 </file>
--- a/Koodauksesta.pptx
+++ b/Koodauksesta.pptx
@@ -18,6 +18,8 @@
     <p:sldId id="268" r:id="rId15"/>
     <p:sldId id="269" r:id="rId16"/>
     <p:sldId id="270" r:id="rId17"/>
+    <p:sldId id="271" r:id="rId18"/>
+    <p:sldId id="272" r:id="rId19"/>
   </p:sldIdLst>
   <p:sldSz cx="12192000" cy="6858000"/>
   <p:notesSz cx="6858000" cy="9144000"/>
@@ -362,7 +364,7 @@
           <a:p>
             <a:fld id="{ED291B17-9318-49DB-B28B-6E5994AE9581}" type="datetime1">
               <a:rPr lang="en-US" smtClean="0"/>
-              <a:t>11/21/2021</a:t>
+              <a:t>11/28/2021</a:t>
             </a:fld>
             <a:endParaRPr lang="en-US" dirty="0"/>
           </a:p>
@@ -565,7 +567,7 @@
           <a:p>
             <a:fld id="{2CED4963-E985-44C4-B8C4-FDD613B7C2F8}" type="datetime1">
               <a:rPr lang="en-US" smtClean="0"/>
-              <a:t>11/21/2021</a:t>
+              <a:t>11/28/2021</a:t>
             </a:fld>
             <a:endParaRPr lang="en-US" dirty="0"/>
           </a:p>
@@ -927,7 +929,7 @@
           <a:p>
             <a:fld id="{ED291B17-9318-49DB-B28B-6E5994AE9581}" type="datetime1">
               <a:rPr lang="en-US" smtClean="0"/>
-              <a:t>11/21/2021</a:t>
+              <a:t>11/28/2021</a:t>
             </a:fld>
             <a:endParaRPr lang="en-US" dirty="0"/>
           </a:p>
@@ -1125,7 +1127,7 @@
           <a:p>
             <a:fld id="{78DD82B9-B8EE-4375-B6FF-88FA6ABB15D9}" type="datetime1">
               <a:rPr lang="en-US" smtClean="0"/>
-              <a:t>11/21/2021</a:t>
+              <a:t>11/28/2021</a:t>
             </a:fld>
             <a:endParaRPr lang="en-US" dirty="0"/>
           </a:p>
@@ -1437,7 +1439,7 @@
           <a:p>
             <a:fld id="{B2497495-0637-405E-AE64-5CC7506D51F5}" type="datetime1">
               <a:rPr lang="en-US" smtClean="0"/>
-              <a:t>11/21/2021</a:t>
+              <a:t>11/28/2021</a:t>
             </a:fld>
             <a:endParaRPr lang="en-US" dirty="0"/>
           </a:p>
@@ -1690,7 +1692,7 @@
           <a:p>
             <a:fld id="{7BFFD690-9426-415D-8B65-26881E07B2D4}" type="datetime1">
               <a:rPr lang="en-US" smtClean="0"/>
-              <a:t>11/21/2021</a:t>
+              <a:t>11/28/2021</a:t>
             </a:fld>
             <a:endParaRPr lang="en-US" dirty="0"/>
           </a:p>
@@ -2112,7 +2114,7 @@
           <a:p>
             <a:fld id="{04C4989A-474C-40DE-95B9-011C28B71673}" type="datetime1">
               <a:rPr lang="en-US" smtClean="0"/>
-              <a:t>11/21/2021</a:t>
+              <a:t>11/28/2021</a:t>
             </a:fld>
             <a:endParaRPr lang="en-US" dirty="0"/>
           </a:p>
@@ -2235,7 +2237,7 @@
           <a:p>
             <a:fld id="{5DB4ED54-5B5E-4A04-93D3-5772E3CE3818}" type="datetime1">
               <a:rPr lang="en-US" smtClean="0"/>
-              <a:t>11/21/2021</a:t>
+              <a:t>11/28/2021</a:t>
             </a:fld>
             <a:endParaRPr lang="en-US" dirty="0"/>
           </a:p>
@@ -2330,7 +2332,7 @@
           <a:p>
             <a:fld id="{4EDE50D6-574B-40AF-946F-D52A04ADE379}" type="datetime1">
               <a:rPr lang="en-US" smtClean="0"/>
-              <a:t>11/21/2021</a:t>
+              <a:t>11/28/2021</a:t>
             </a:fld>
             <a:endParaRPr lang="en-US" dirty="0"/>
           </a:p>
@@ -2707,7 +2709,7 @@
           <a:p>
             <a:fld id="{D82884F1-FFEA-405F-9602-3DCA865EDA4E}" type="datetime1">
               <a:rPr lang="en-US" smtClean="0"/>
-              <a:t>11/21/2021</a:t>
+              <a:t>11/28/2021</a:t>
             </a:fld>
             <a:endParaRPr lang="en-US" dirty="0"/>
           </a:p>
@@ -3000,7 +3002,7 @@
           <a:p>
             <a:fld id="{7E18DB4A-8810-4A10-AD5C-D5E2C667F5B3}" type="datetime1">
               <a:rPr lang="en-US" smtClean="0"/>
-              <a:t>11/21/2021</a:t>
+              <a:t>11/28/2021</a:t>
             </a:fld>
             <a:endParaRPr lang="en-US" dirty="0"/>
           </a:p>
@@ -3215,7 +3217,7 @@
           <a:p>
             <a:fld id="{ED291B17-9318-49DB-B28B-6E5994AE9581}" type="datetime1">
               <a:rPr lang="en-US" smtClean="0"/>
-              <a:t>11/21/2021</a:t>
+              <a:t>11/28/2021</a:t>
             </a:fld>
             <a:endParaRPr lang="en-US" dirty="0"/>
           </a:p>
@@ -5287,7 +5289,7 @@
                 </a:solidFill>
                 <a:latin typeface="Consolas" panose="020B0609020204030204" pitchFamily="49" charset="0"/>
               </a:rPr>
-              <a:t>Kerran 7 aiheet: yhdistetään tähän mennessä opittua. Tehdään tehtävät 4 ja 5. Jos saat valmiiksi, voi myös tutkia/kokeilla itsenäisesti lisätehtäviä LISÄ1 ja LISÄ2.</a:t>
+              <a:t>Kerran 7 aiheet: yhdistetään tähän mennessä opittua. Tehdään tehtävät 4 ja 5. Jos saat valmiiksi, voi myös tutkia/kokeilla itsenäisesti lisätehtävää LISÄ2 ja tehtävää 6.</a:t>
             </a:r>
           </a:p>
           <a:p>
@@ -5389,6 +5391,538 @@
     <p:extLst>
       <p:ext uri="{BB962C8B-B14F-4D97-AF65-F5344CB8AC3E}">
         <p14:creationId xmlns:p14="http://schemas.microsoft.com/office/powerpoint/2010/main" val="3360227077"/>
+      </p:ext>
+    </p:extLst>
+  </p:cSld>
+  <p:clrMapOvr>
+    <a:masterClrMapping/>
+  </p:clrMapOvr>
+</p:sld>
+</file>
+
+<file path=ppt/slides/slide14.xml><?xml version="1.0" encoding="utf-8"?>
+<p:sld xmlns:a="http://schemas.openxmlformats.org/drawingml/2006/main" xmlns:r="http://schemas.openxmlformats.org/officeDocument/2006/relationships" xmlns:p="http://schemas.openxmlformats.org/presentationml/2006/main">
+  <p:cSld>
+    <p:spTree>
+      <p:nvGrpSpPr>
+        <p:cNvPr id="1" name=""/>
+        <p:cNvGrpSpPr/>
+        <p:nvPr/>
+      </p:nvGrpSpPr>
+      <p:grpSpPr>
+        <a:xfrm>
+          <a:off x="0" y="0"/>
+          <a:ext cx="0" cy="0"/>
+          <a:chOff x="0" y="0"/>
+          <a:chExt cx="0" cy="0"/>
+        </a:xfrm>
+      </p:grpSpPr>
+      <p:sp>
+        <p:nvSpPr>
+          <p:cNvPr id="2" name="Title 1">
+            <a:extLst>
+              <a:ext uri="{FF2B5EF4-FFF2-40B4-BE49-F238E27FC236}">
+                <a16:creationId xmlns:a16="http://schemas.microsoft.com/office/drawing/2014/main" id="{0F4E9AD1-33A3-4E76-A74F-8C6BD102773F}"/>
+              </a:ext>
+            </a:extLst>
+          </p:cNvPr>
+          <p:cNvSpPr>
+            <a:spLocks noGrp="1"/>
+          </p:cNvSpPr>
+          <p:nvPr>
+            <p:ph type="title"/>
+          </p:nvPr>
+        </p:nvSpPr>
+        <p:spPr/>
+        <p:txBody>
+          <a:bodyPr/>
+          <a:lstStyle/>
+          <a:p>
+            <a:r>
+              <a:rPr lang="fi-FI" dirty="0"/>
+              <a:t>Kertaus kerrasta 7 &amp; </a:t>
+            </a:r>
+            <a:r>
+              <a:rPr lang="fi-FI" dirty="0" err="1"/>
+              <a:t>KERRAn</a:t>
+            </a:r>
+            <a:r>
+              <a:rPr lang="fi-FI" dirty="0"/>
+              <a:t> 8 aiheet</a:t>
+            </a:r>
+            <a:endParaRPr lang="en-FI" dirty="0"/>
+          </a:p>
+        </p:txBody>
+      </p:sp>
+      <p:sp>
+        <p:nvSpPr>
+          <p:cNvPr id="3" name="Content Placeholder 2">
+            <a:extLst>
+              <a:ext uri="{FF2B5EF4-FFF2-40B4-BE49-F238E27FC236}">
+                <a16:creationId xmlns:a16="http://schemas.microsoft.com/office/drawing/2014/main" id="{A917B45E-C8F8-44B3-9A38-12D08AC4A13E}"/>
+              </a:ext>
+            </a:extLst>
+          </p:cNvPr>
+          <p:cNvSpPr>
+            <a:spLocks noGrp="1"/>
+          </p:cNvSpPr>
+          <p:nvPr>
+            <p:ph idx="1"/>
+          </p:nvPr>
+        </p:nvSpPr>
+        <p:spPr/>
+        <p:txBody>
+          <a:bodyPr/>
+          <a:lstStyle/>
+          <a:p>
+            <a:pPr marL="0" indent="0">
+              <a:buNone/>
+            </a:pPr>
+            <a:r>
+              <a:rPr lang="fi-FI" dirty="0">
+                <a:solidFill>
+                  <a:schemeClr val="tx1"/>
+                </a:solidFill>
+                <a:latin typeface="Consolas" panose="020B0609020204030204" pitchFamily="49" charset="0"/>
+              </a:rPr>
+              <a:t>Kertaus: Tietyn maan tietojen hakeminen (for-silmukka, </a:t>
+            </a:r>
+            <a:r>
+              <a:rPr lang="fi-FI" dirty="0" err="1">
+                <a:solidFill>
+                  <a:schemeClr val="tx1"/>
+                </a:solidFill>
+                <a:latin typeface="Consolas" panose="020B0609020204030204" pitchFamily="49" charset="0"/>
+              </a:rPr>
+              <a:t>if</a:t>
+            </a:r>
+            <a:r>
+              <a:rPr lang="fi-FI" dirty="0">
+                <a:solidFill>
+                  <a:schemeClr val="tx1"/>
+                </a:solidFill>
+                <a:latin typeface="Consolas" panose="020B0609020204030204" pitchFamily="49" charset="0"/>
+              </a:rPr>
+              <a:t>-lause)</a:t>
+            </a:r>
+          </a:p>
+          <a:p>
+            <a:pPr marL="0" indent="0">
+              <a:buNone/>
+            </a:pPr>
+            <a:r>
+              <a:rPr lang="fi-FI" dirty="0">
+                <a:solidFill>
+                  <a:schemeClr val="tx1"/>
+                </a:solidFill>
+                <a:latin typeface="Consolas" panose="020B0609020204030204" pitchFamily="49" charset="0"/>
+              </a:rPr>
+              <a:t>Kerran 8 aiheet: Suurimman arvon etsiminen, satunnaisuus. Tehdään tehtävät 6 ja 7. Jos saat valmiiksi, voi myös tutkia/kokeilla itsenäisesti lisätehtävää LISÄ2.</a:t>
+            </a:r>
+          </a:p>
+          <a:p>
+            <a:r>
+              <a:rPr lang="fi-FI" b="0" dirty="0">
+                <a:solidFill>
+                  <a:schemeClr val="tx1"/>
+                </a:solidFill>
+                <a:effectLst/>
+                <a:latin typeface="Consolas" panose="020B0609020204030204" pitchFamily="49" charset="0"/>
+              </a:rPr>
+              <a:t>Tee tehtäviä itsenäisesti tai vieruskaverin kanssa yhdessä. Jos jäät jumiin, </a:t>
+            </a:r>
+            <a:r>
+              <a:rPr lang="fi-FI" dirty="0">
+                <a:solidFill>
+                  <a:schemeClr val="tx1"/>
+                </a:solidFill>
+                <a:latin typeface="Consolas" panose="020B0609020204030204" pitchFamily="49" charset="0"/>
+              </a:rPr>
+              <a:t>kysy apua kave</a:t>
+            </a:r>
+            <a:r>
+              <a:rPr lang="fi-FI" b="0" dirty="0">
+                <a:solidFill>
+                  <a:schemeClr val="tx1"/>
+                </a:solidFill>
+                <a:effectLst/>
+                <a:latin typeface="Consolas" panose="020B0609020204030204" pitchFamily="49" charset="0"/>
+              </a:rPr>
+              <a:t>reilta tai ohjaajilta. Kun saat tehtävän tehtyä, näytä ratkaisusi opettajalle tai jollekin, joka on jo saanut tehtävän valmiiksi (katso taululta). Merkkaa nimesi taululle tehtävän kohdalle. </a:t>
+            </a:r>
+          </a:p>
+          <a:p>
+            <a:r>
+              <a:rPr lang="fi-FI" b="0" dirty="0">
+                <a:solidFill>
+                  <a:schemeClr val="tx1"/>
+                </a:solidFill>
+                <a:effectLst/>
+                <a:latin typeface="Consolas" panose="020B0609020204030204" pitchFamily="49" charset="0"/>
+              </a:rPr>
+              <a:t>Ohjeet ja </a:t>
+            </a:r>
+            <a:r>
+              <a:rPr lang="fi-FI" dirty="0">
+                <a:solidFill>
+                  <a:schemeClr val="tx1"/>
+                </a:solidFill>
+                <a:latin typeface="Consolas" panose="020B0609020204030204" pitchFamily="49" charset="0"/>
+              </a:rPr>
+              <a:t>tehtävät</a:t>
+            </a:r>
+            <a:r>
+              <a:rPr lang="fi-FI" b="0" dirty="0">
+                <a:solidFill>
+                  <a:schemeClr val="tx1"/>
+                </a:solidFill>
+                <a:effectLst/>
+                <a:latin typeface="Consolas" panose="020B0609020204030204" pitchFamily="49" charset="0"/>
+              </a:rPr>
+              <a:t>: github.com/</a:t>
+            </a:r>
+            <a:r>
+              <a:rPr lang="fi-FI" b="0" dirty="0" err="1">
+                <a:solidFill>
+                  <a:schemeClr val="tx1"/>
+                </a:solidFill>
+                <a:effectLst/>
+                <a:latin typeface="Consolas" panose="020B0609020204030204" pitchFamily="49" charset="0"/>
+              </a:rPr>
+              <a:t>mikkokotola</a:t>
+            </a:r>
+            <a:r>
+              <a:rPr lang="fi-FI" b="0" dirty="0">
+                <a:solidFill>
+                  <a:schemeClr val="tx1"/>
+                </a:solidFill>
+                <a:effectLst/>
+                <a:latin typeface="Consolas" panose="020B0609020204030204" pitchFamily="49" charset="0"/>
+              </a:rPr>
+              <a:t>/pythonkoodaus</a:t>
+            </a:r>
+          </a:p>
+          <a:p>
+            <a:pPr marL="0" indent="0">
+              <a:buNone/>
+            </a:pPr>
+            <a:endParaRPr lang="fi-FI" dirty="0">
+              <a:solidFill>
+                <a:schemeClr val="tx1"/>
+              </a:solidFill>
+              <a:latin typeface="Consolas" panose="020B0609020204030204" pitchFamily="49" charset="0"/>
+            </a:endParaRPr>
+          </a:p>
+        </p:txBody>
+      </p:sp>
+    </p:spTree>
+    <p:extLst>
+      <p:ext uri="{BB962C8B-B14F-4D97-AF65-F5344CB8AC3E}">
+        <p14:creationId xmlns:p14="http://schemas.microsoft.com/office/powerpoint/2010/main" val="2667671198"/>
+      </p:ext>
+    </p:extLst>
+  </p:cSld>
+  <p:clrMapOvr>
+    <a:masterClrMapping/>
+  </p:clrMapOvr>
+</p:sld>
+</file>
+
+<file path=ppt/slides/slide15.xml><?xml version="1.0" encoding="utf-8"?>
+<p:sld xmlns:a="http://schemas.openxmlformats.org/drawingml/2006/main" xmlns:r="http://schemas.openxmlformats.org/officeDocument/2006/relationships" xmlns:p="http://schemas.openxmlformats.org/presentationml/2006/main">
+  <p:cSld>
+    <p:spTree>
+      <p:nvGrpSpPr>
+        <p:cNvPr id="1" name=""/>
+        <p:cNvGrpSpPr/>
+        <p:nvPr/>
+      </p:nvGrpSpPr>
+      <p:grpSpPr>
+        <a:xfrm>
+          <a:off x="0" y="0"/>
+          <a:ext cx="0" cy="0"/>
+          <a:chOff x="0" y="0"/>
+          <a:chExt cx="0" cy="0"/>
+        </a:xfrm>
+      </p:grpSpPr>
+      <p:sp>
+        <p:nvSpPr>
+          <p:cNvPr id="2" name="Title 1">
+            <a:extLst>
+              <a:ext uri="{FF2B5EF4-FFF2-40B4-BE49-F238E27FC236}">
+                <a16:creationId xmlns:a16="http://schemas.microsoft.com/office/drawing/2014/main" id="{0F4E9AD1-33A3-4E76-A74F-8C6BD102773F}"/>
+              </a:ext>
+            </a:extLst>
+          </p:cNvPr>
+          <p:cNvSpPr>
+            <a:spLocks noGrp="1"/>
+          </p:cNvSpPr>
+          <p:nvPr>
+            <p:ph type="title"/>
+          </p:nvPr>
+        </p:nvSpPr>
+        <p:spPr/>
+        <p:txBody>
+          <a:bodyPr/>
+          <a:lstStyle/>
+          <a:p>
+            <a:r>
+              <a:rPr lang="fi-FI" dirty="0"/>
+              <a:t>LOPUKSI</a:t>
+            </a:r>
+            <a:endParaRPr lang="en-FI" dirty="0"/>
+          </a:p>
+        </p:txBody>
+      </p:sp>
+      <p:sp>
+        <p:nvSpPr>
+          <p:cNvPr id="3" name="Content Placeholder 2">
+            <a:extLst>
+              <a:ext uri="{FF2B5EF4-FFF2-40B4-BE49-F238E27FC236}">
+                <a16:creationId xmlns:a16="http://schemas.microsoft.com/office/drawing/2014/main" id="{A917B45E-C8F8-44B3-9A38-12D08AC4A13E}"/>
+              </a:ext>
+            </a:extLst>
+          </p:cNvPr>
+          <p:cNvSpPr>
+            <a:spLocks noGrp="1"/>
+          </p:cNvSpPr>
+          <p:nvPr>
+            <p:ph idx="1"/>
+          </p:nvPr>
+        </p:nvSpPr>
+        <p:spPr/>
+        <p:txBody>
+          <a:bodyPr/>
+          <a:lstStyle/>
+          <a:p>
+            <a:r>
+              <a:rPr lang="fi-FI" dirty="0">
+                <a:solidFill>
+                  <a:schemeClr val="tx1"/>
+                </a:solidFill>
+                <a:latin typeface="Consolas" panose="020B0609020204030204" pitchFamily="49" charset="0"/>
+              </a:rPr>
+              <a:t>Palautekysely: </a:t>
+            </a:r>
+            <a:r>
+              <a:rPr lang="fi-FI" dirty="0">
+                <a:solidFill>
+                  <a:schemeClr val="tx1"/>
+                </a:solidFill>
+                <a:latin typeface="Consolas" panose="020B0609020204030204" pitchFamily="49" charset="0"/>
+                <a:hlinkClick r:id="rId2"/>
+              </a:rPr>
+              <a:t>https://forms.office.com/r/ThG6EgPN9R</a:t>
+            </a:r>
+            <a:endParaRPr lang="fi-FI" dirty="0">
+              <a:solidFill>
+                <a:schemeClr val="tx1"/>
+              </a:solidFill>
+              <a:latin typeface="Consolas" panose="020B0609020204030204" pitchFamily="49" charset="0"/>
+            </a:endParaRPr>
+          </a:p>
+          <a:p>
+            <a:r>
+              <a:rPr lang="fi-FI" dirty="0">
+                <a:solidFill>
+                  <a:schemeClr val="tx1"/>
+                </a:solidFill>
+                <a:latin typeface="Consolas" panose="020B0609020204030204" pitchFamily="49" charset="0"/>
+              </a:rPr>
+              <a:t>Koodauksen jatkaminen:</a:t>
+            </a:r>
+          </a:p>
+          <a:p>
+            <a:pPr lvl="1"/>
+            <a:r>
+              <a:rPr lang="fi-FI" dirty="0">
+                <a:solidFill>
+                  <a:schemeClr val="tx1"/>
+                </a:solidFill>
+                <a:latin typeface="Consolas" panose="020B0609020204030204" pitchFamily="49" charset="0"/>
+              </a:rPr>
+              <a:t>Pythonin ja Visual Studio </a:t>
+            </a:r>
+            <a:r>
+              <a:rPr lang="fi-FI" dirty="0" err="1">
+                <a:solidFill>
+                  <a:schemeClr val="tx1"/>
+                </a:solidFill>
+                <a:latin typeface="Consolas" panose="020B0609020204030204" pitchFamily="49" charset="0"/>
+              </a:rPr>
+              <a:t>Coden</a:t>
+            </a:r>
+            <a:r>
+              <a:rPr lang="fi-FI" dirty="0">
+                <a:solidFill>
+                  <a:schemeClr val="tx1"/>
+                </a:solidFill>
+                <a:latin typeface="Consolas" panose="020B0609020204030204" pitchFamily="49" charset="0"/>
+              </a:rPr>
+              <a:t> voi asentaa omalle koneelle ilmaiseksi</a:t>
+            </a:r>
+          </a:p>
+          <a:p>
+            <a:pPr lvl="2"/>
+            <a:r>
+              <a:rPr lang="fi-FI" dirty="0">
+                <a:solidFill>
+                  <a:schemeClr val="tx1"/>
+                </a:solidFill>
+                <a:latin typeface="Consolas" panose="020B0609020204030204" pitchFamily="49" charset="0"/>
+              </a:rPr>
+              <a:t>Python: </a:t>
+            </a:r>
+            <a:r>
+              <a:rPr lang="fi-FI" dirty="0">
+                <a:solidFill>
+                  <a:schemeClr val="tx1"/>
+                </a:solidFill>
+                <a:latin typeface="Consolas" panose="020B0609020204030204" pitchFamily="49" charset="0"/>
+                <a:hlinkClick r:id="rId3"/>
+              </a:rPr>
+              <a:t>https://www.python.org/downloads/</a:t>
+            </a:r>
+            <a:endParaRPr lang="fi-FI" dirty="0">
+              <a:solidFill>
+                <a:schemeClr val="tx1"/>
+              </a:solidFill>
+              <a:latin typeface="Consolas" panose="020B0609020204030204" pitchFamily="49" charset="0"/>
+            </a:endParaRPr>
+          </a:p>
+          <a:p>
+            <a:pPr lvl="2"/>
+            <a:r>
+              <a:rPr lang="fi-FI" dirty="0">
+                <a:solidFill>
+                  <a:schemeClr val="tx1"/>
+                </a:solidFill>
+                <a:latin typeface="Consolas" panose="020B0609020204030204" pitchFamily="49" charset="0"/>
+              </a:rPr>
+              <a:t>Visual Studio </a:t>
+            </a:r>
+            <a:r>
+              <a:rPr lang="fi-FI" dirty="0" err="1">
+                <a:solidFill>
+                  <a:schemeClr val="tx1"/>
+                </a:solidFill>
+                <a:latin typeface="Consolas" panose="020B0609020204030204" pitchFamily="49" charset="0"/>
+              </a:rPr>
+              <a:t>Code</a:t>
+            </a:r>
+            <a:r>
+              <a:rPr lang="fi-FI" dirty="0">
+                <a:solidFill>
+                  <a:schemeClr val="tx1"/>
+                </a:solidFill>
+                <a:latin typeface="Consolas" panose="020B0609020204030204" pitchFamily="49" charset="0"/>
+              </a:rPr>
+              <a:t>: </a:t>
+            </a:r>
+            <a:r>
+              <a:rPr lang="fi-FI" dirty="0">
+                <a:solidFill>
+                  <a:schemeClr val="tx1"/>
+                </a:solidFill>
+                <a:latin typeface="Consolas" panose="020B0609020204030204" pitchFamily="49" charset="0"/>
+                <a:hlinkClick r:id="rId4"/>
+              </a:rPr>
+              <a:t>https://code.visualstudio.com/download</a:t>
+            </a:r>
+            <a:endParaRPr lang="fi-FI" dirty="0">
+              <a:solidFill>
+                <a:schemeClr val="tx1"/>
+              </a:solidFill>
+              <a:latin typeface="Consolas" panose="020B0609020204030204" pitchFamily="49" charset="0"/>
+            </a:endParaRPr>
+          </a:p>
+          <a:p>
+            <a:pPr lvl="1"/>
+            <a:r>
+              <a:rPr lang="fi-FI" dirty="0">
+                <a:solidFill>
+                  <a:schemeClr val="tx1"/>
+                </a:solidFill>
+                <a:latin typeface="Consolas" panose="020B0609020204030204" pitchFamily="49" charset="0"/>
+              </a:rPr>
+              <a:t>Koodikerhot koululla</a:t>
+            </a:r>
+          </a:p>
+          <a:p>
+            <a:pPr lvl="1"/>
+            <a:r>
+              <a:rPr lang="fi-FI" b="0" dirty="0">
+                <a:solidFill>
+                  <a:schemeClr val="tx1"/>
+                </a:solidFill>
+                <a:effectLst/>
+                <a:latin typeface="Consolas" panose="020B0609020204030204" pitchFamily="49" charset="0"/>
+              </a:rPr>
+              <a:t>Ohjelmoinnin perusteet MOOC</a:t>
+            </a:r>
+            <a:r>
+              <a:rPr lang="fi-FI" dirty="0">
+                <a:solidFill>
+                  <a:schemeClr val="tx1"/>
+                </a:solidFill>
+                <a:latin typeface="Consolas" panose="020B0609020204030204" pitchFamily="49" charset="0"/>
+              </a:rPr>
+              <a:t> (</a:t>
+            </a:r>
+            <a:r>
+              <a:rPr lang="fi-FI" dirty="0">
+                <a:solidFill>
+                  <a:schemeClr val="tx1"/>
+                </a:solidFill>
+                <a:latin typeface="Consolas" panose="020B0609020204030204" pitchFamily="49" charset="0"/>
+                <a:hlinkClick r:id="rId5"/>
+              </a:rPr>
+              <a:t>https://ohjelmointi-21.mooc.fi/</a:t>
+            </a:r>
+            <a:r>
+              <a:rPr lang="fi-FI" dirty="0">
+                <a:solidFill>
+                  <a:schemeClr val="tx1"/>
+                </a:solidFill>
+                <a:latin typeface="Consolas" panose="020B0609020204030204" pitchFamily="49" charset="0"/>
+              </a:rPr>
+              <a:t>) – teimme jos osan kurssin ensimmäisen osan tehtävistä</a:t>
+            </a:r>
+          </a:p>
+          <a:p>
+            <a:r>
+              <a:rPr lang="fi-FI" b="0" dirty="0">
+                <a:solidFill>
+                  <a:schemeClr val="tx1"/>
+                </a:solidFill>
+                <a:effectLst/>
+                <a:latin typeface="Consolas" panose="020B0609020204030204" pitchFamily="49" charset="0"/>
+              </a:rPr>
+              <a:t>Hienoa työtä koodausjaksolla</a:t>
+            </a:r>
+            <a:r>
+              <a:rPr lang="fi-FI" dirty="0">
+                <a:solidFill>
+                  <a:schemeClr val="tx1"/>
+                </a:solidFill>
+                <a:latin typeface="Consolas" panose="020B0609020204030204" pitchFamily="49" charset="0"/>
+              </a:rPr>
+              <a:t>!</a:t>
+            </a:r>
+            <a:endParaRPr lang="fi-FI" b="0" dirty="0">
+              <a:solidFill>
+                <a:schemeClr val="tx1"/>
+              </a:solidFill>
+              <a:effectLst/>
+              <a:latin typeface="Consolas" panose="020B0609020204030204" pitchFamily="49" charset="0"/>
+            </a:endParaRPr>
+          </a:p>
+        </p:txBody>
+      </p:sp>
+    </p:spTree>
+    <p:extLst>
+      <p:ext uri="{BB962C8B-B14F-4D97-AF65-F5344CB8AC3E}">
+        <p14:creationId xmlns:p14="http://schemas.microsoft.com/office/powerpoint/2010/main" val="3088278918"/>
       </p:ext>
     </p:extLst>
   </p:cSld>
